--- a/source/figures.pptx
+++ b/source/figures.pptx
@@ -3683,7 +3683,7 @@
             <a:pPr algn="ctr"/>
             <a:r>
               <a:rPr kumimoji="1" lang="en-US" altLang="ja-JP" dirty="0" err="1" smtClean="0"/>
-              <a:t>jubaannomaly</a:t>
+              <a:t>jubaanomaly</a:t>
             </a:r>
             <a:endParaRPr kumimoji="1" lang="ja-JP" altLang="en-US" dirty="0"/>
           </a:p>
@@ -4370,7 +4370,7 @@
             <a:pPr algn="ctr"/>
             <a:r>
               <a:rPr kumimoji="1" lang="en-US" altLang="ja-JP" dirty="0" err="1" smtClean="0"/>
-              <a:t>jubaannomaly</a:t>
+              <a:t>jubaanomaly</a:t>
             </a:r>
             <a:endParaRPr kumimoji="1" lang="ja-JP" altLang="en-US" dirty="0"/>
           </a:p>
@@ -4412,7 +4412,7 @@
             <a:pPr algn="ctr"/>
             <a:r>
               <a:rPr kumimoji="1" lang="en-US" altLang="ja-JP" dirty="0" err="1" smtClean="0"/>
-              <a:t>jubaannomaly</a:t>
+              <a:t>jubaanomaly</a:t>
             </a:r>
             <a:endParaRPr kumimoji="1" lang="ja-JP" altLang="en-US" dirty="0"/>
           </a:p>
